--- a/第4章excel/图表/图表数据标签.pptx
+++ b/第4章excel/图表/图表数据标签.pptx
@@ -289,7 +289,7 @@
           <a:p>
             <a:fld id="{530820CF-B880-4189-942D-D702A7CBA730}" type="datetimeFigureOut">
               <a:rPr lang="zh-CN" altLang="en-US" smtClean="0"/>
-              <a:t>2020/6/6</a:t>
+              <a:t>2020/6/8</a:t>
             </a:fld>
             <a:endParaRPr lang="zh-CN" altLang="en-US"/>
           </a:p>
@@ -454,7 +454,7 @@
           <a:p>
             <a:fld id="{530820CF-B880-4189-942D-D702A7CBA730}" type="datetimeFigureOut">
               <a:rPr lang="zh-CN" altLang="en-US" smtClean="0"/>
-              <a:t>2020/6/6</a:t>
+              <a:t>2020/6/8</a:t>
             </a:fld>
             <a:endParaRPr lang="zh-CN" altLang="en-US"/>
           </a:p>
@@ -629,7 +629,7 @@
           <a:p>
             <a:fld id="{530820CF-B880-4189-942D-D702A7CBA730}" type="datetimeFigureOut">
               <a:rPr lang="zh-CN" altLang="en-US" smtClean="0"/>
-              <a:t>2020/6/6</a:t>
+              <a:t>2020/6/8</a:t>
             </a:fld>
             <a:endParaRPr lang="zh-CN" altLang="en-US"/>
           </a:p>
@@ -794,7 +794,7 @@
           <a:p>
             <a:fld id="{530820CF-B880-4189-942D-D702A7CBA730}" type="datetimeFigureOut">
               <a:rPr lang="zh-CN" altLang="en-US" smtClean="0"/>
-              <a:t>2020/6/6</a:t>
+              <a:t>2020/6/8</a:t>
             </a:fld>
             <a:endParaRPr lang="zh-CN" altLang="en-US"/>
           </a:p>
@@ -1035,7 +1035,7 @@
           <a:p>
             <a:fld id="{530820CF-B880-4189-942D-D702A7CBA730}" type="datetimeFigureOut">
               <a:rPr lang="zh-CN" altLang="en-US" smtClean="0"/>
-              <a:t>2020/6/6</a:t>
+              <a:t>2020/6/8</a:t>
             </a:fld>
             <a:endParaRPr lang="zh-CN" altLang="en-US"/>
           </a:p>
@@ -1318,7 +1318,7 @@
           <a:p>
             <a:fld id="{530820CF-B880-4189-942D-D702A7CBA730}" type="datetimeFigureOut">
               <a:rPr lang="zh-CN" altLang="en-US" smtClean="0"/>
-              <a:t>2020/6/6</a:t>
+              <a:t>2020/6/8</a:t>
             </a:fld>
             <a:endParaRPr lang="zh-CN" altLang="en-US"/>
           </a:p>
@@ -1735,7 +1735,7 @@
           <a:p>
             <a:fld id="{530820CF-B880-4189-942D-D702A7CBA730}" type="datetimeFigureOut">
               <a:rPr lang="zh-CN" altLang="en-US" smtClean="0"/>
-              <a:t>2020/6/6</a:t>
+              <a:t>2020/6/8</a:t>
             </a:fld>
             <a:endParaRPr lang="zh-CN" altLang="en-US"/>
           </a:p>
@@ -1848,7 +1848,7 @@
           <a:p>
             <a:fld id="{530820CF-B880-4189-942D-D702A7CBA730}" type="datetimeFigureOut">
               <a:rPr lang="zh-CN" altLang="en-US" smtClean="0"/>
-              <a:t>2020/6/6</a:t>
+              <a:t>2020/6/8</a:t>
             </a:fld>
             <a:endParaRPr lang="zh-CN" altLang="en-US"/>
           </a:p>
@@ -1938,7 +1938,7 @@
           <a:p>
             <a:fld id="{530820CF-B880-4189-942D-D702A7CBA730}" type="datetimeFigureOut">
               <a:rPr lang="zh-CN" altLang="en-US" smtClean="0"/>
-              <a:t>2020/6/6</a:t>
+              <a:t>2020/6/8</a:t>
             </a:fld>
             <a:endParaRPr lang="zh-CN" altLang="en-US"/>
           </a:p>
@@ -2210,7 +2210,7 @@
           <a:p>
             <a:fld id="{530820CF-B880-4189-942D-D702A7CBA730}" type="datetimeFigureOut">
               <a:rPr lang="zh-CN" altLang="en-US" smtClean="0"/>
-              <a:t>2020/6/6</a:t>
+              <a:t>2020/6/8</a:t>
             </a:fld>
             <a:endParaRPr lang="zh-CN" altLang="en-US"/>
           </a:p>
@@ -2458,7 +2458,7 @@
           <a:p>
             <a:fld id="{530820CF-B880-4189-942D-D702A7CBA730}" type="datetimeFigureOut">
               <a:rPr lang="zh-CN" altLang="en-US" smtClean="0"/>
-              <a:t>2020/6/6</a:t>
+              <a:t>2020/6/8</a:t>
             </a:fld>
             <a:endParaRPr lang="zh-CN" altLang="en-US"/>
           </a:p>
@@ -2666,7 +2666,7 @@
           <a:p>
             <a:fld id="{530820CF-B880-4189-942D-D702A7CBA730}" type="datetimeFigureOut">
               <a:rPr lang="zh-CN" altLang="en-US" smtClean="0"/>
-              <a:t>2020/6/6</a:t>
+              <a:t>2020/6/8</a:t>
             </a:fld>
             <a:endParaRPr lang="zh-CN" altLang="en-US"/>
           </a:p>
@@ -3117,7 +3117,19 @@
           <a:p>
             <a:r>
               <a:rPr lang="zh-CN" altLang="en-US" dirty="0" smtClean="0"/>
-              <a:t>数据标签包括有数据的值，名称等。例如这个图表中的学成成绩。数据标签默认不显示。</a:t>
+              <a:t>数据标签包括有数据的值，名称等。例如这个图表中</a:t>
+            </a:r>
+            <a:r>
+              <a:rPr lang="zh-CN" altLang="en-US" smtClean="0"/>
+              <a:t>的</a:t>
+            </a:r>
+            <a:r>
+              <a:rPr lang="zh-CN" altLang="en-US" smtClean="0"/>
+              <a:t>学生成绩</a:t>
+            </a:r>
+            <a:r>
+              <a:rPr lang="zh-CN" altLang="en-US" dirty="0" smtClean="0"/>
+              <a:t>。数据标签默认不显示。</a:t>
             </a:r>
             <a:endParaRPr lang="en-US" altLang="zh-CN" dirty="0" smtClean="0"/>
           </a:p>
